--- a/Apresentação TDD.pptx
+++ b/Apresentação TDD.pptx
@@ -6024,13 +6024,13 @@
   <p:clrMapOvr>
     <a:masterClrMapping/>
   </p:clrMapOvr>
-  <mc:AlternateContent xmlns:mc="http://schemas.openxmlformats.org/markup-compatibility/2006">
-    <mc:Choice xmlns:p15="http://schemas.microsoft.com/office/powerpoint/2012/main" Requires="p15">
+  <mc:AlternateContent xmlns:mc="http://schemas.openxmlformats.org/markup-compatibility/2006" xmlns:p15="http://schemas.microsoft.com/office/powerpoint/2012/main">
+    <mc:Choice Requires="p15">
       <p:transition xmlns:p14="http://schemas.microsoft.com/office/powerpoint/2010/main" spd="slow" p14:dur="6000">
         <p15:prstTrans prst="curtains"/>
       </p:transition>
     </mc:Choice>
-    <mc:Fallback>
+    <mc:Fallback xmlns="">
       <p:transition spd="slow">
         <p:fade/>
       </p:transition>
@@ -6219,13 +6219,13 @@
   <p:clrMapOvr>
     <a:masterClrMapping/>
   </p:clrMapOvr>
-  <mc:AlternateContent xmlns:mc="http://schemas.openxmlformats.org/markup-compatibility/2006">
-    <mc:Choice xmlns:p14="http://schemas.microsoft.com/office/powerpoint/2010/main" Requires="p14">
+  <mc:AlternateContent xmlns:mc="http://schemas.openxmlformats.org/markup-compatibility/2006" xmlns:p14="http://schemas.microsoft.com/office/powerpoint/2010/main">
+    <mc:Choice Requires="p14">
       <p:transition spd="slow" p14:dur="1500">
         <p:random/>
       </p:transition>
     </mc:Choice>
-    <mc:Fallback>
+    <mc:Fallback xmlns="">
       <p:transition spd="slow">
         <p:random/>
       </p:transition>
@@ -6265,8 +6265,8 @@
         </p:nvSpPr>
         <p:spPr>
           <a:xfrm>
-            <a:off x="648368" y="1283639"/>
-            <a:ext cx="8711942" cy="3785652"/>
+            <a:off x="707009" y="718031"/>
+            <a:ext cx="8898904" cy="5016758"/>
           </a:xfrm>
           <a:prstGeom prst="rect">
             <a:avLst/>
@@ -6427,7 +6427,79 @@
               </a:rPr>
               <a:t>Obrigado.</a:t>
             </a:r>
+          </a:p>
+          <a:p>
+            <a:pPr algn="ctr"/>
             <a:endParaRPr lang="pt-BR" sz="4000" b="1" cap="none" spc="0" dirty="0">
+              <a:ln w="12700">
+                <a:solidFill>
+                  <a:schemeClr val="tx2">
+                    <a:lumMod val="75000"/>
+                  </a:schemeClr>
+                </a:solidFill>
+                <a:prstDash val="solid"/>
+              </a:ln>
+              <a:solidFill>
+                <a:srgbClr val="FF0000"/>
+              </a:solidFill>
+              <a:effectLst>
+                <a:outerShdw dist="38100" dir="2640000" algn="bl" rotWithShape="0">
+                  <a:schemeClr val="tx2">
+                    <a:lumMod val="75000"/>
+                  </a:schemeClr>
+                </a:outerShdw>
+              </a:effectLst>
+            </a:endParaRPr>
+          </a:p>
+          <a:p>
+            <a:pPr algn="ctr"/>
+            <a:r>
+              <a:rPr lang="pt-BR" sz="2000" b="1" dirty="0" err="1">
+                <a:ln w="12700">
+                  <a:solidFill>
+                    <a:schemeClr val="tx2">
+                      <a:lumMod val="75000"/>
+                    </a:schemeClr>
+                  </a:solidFill>
+                  <a:prstDash val="solid"/>
+                </a:ln>
+                <a:solidFill>
+                  <a:srgbClr val="FF0000"/>
+                </a:solidFill>
+                <a:effectLst>
+                  <a:outerShdw dist="38100" dir="2640000" algn="bl" rotWithShape="0">
+                    <a:schemeClr val="tx2">
+                      <a:lumMod val="75000"/>
+                    </a:schemeClr>
+                  </a:outerShdw>
+                </a:effectLst>
+              </a:rPr>
+              <a:t>Github</a:t>
+            </a:r>
+            <a:r>
+              <a:rPr lang="pt-BR" sz="2000" b="1" dirty="0">
+                <a:ln w="12700">
+                  <a:solidFill>
+                    <a:schemeClr val="tx2">
+                      <a:lumMod val="75000"/>
+                    </a:schemeClr>
+                  </a:solidFill>
+                  <a:prstDash val="solid"/>
+                </a:ln>
+                <a:solidFill>
+                  <a:srgbClr val="FF0000"/>
+                </a:solidFill>
+                <a:effectLst>
+                  <a:outerShdw dist="38100" dir="2640000" algn="bl" rotWithShape="0">
+                    <a:schemeClr val="tx2">
+                      <a:lumMod val="75000"/>
+                    </a:schemeClr>
+                  </a:outerShdw>
+                </a:effectLst>
+              </a:rPr>
+              <a:t>: https://github.com/DanielCarolino89/TDD_JAVASCRIPT_NODE_JEST</a:t>
+            </a:r>
+            <a:endParaRPr lang="pt-BR" sz="2000" b="1" cap="none" spc="0" dirty="0">
               <a:ln w="12700">
                 <a:solidFill>
                   <a:schemeClr val="tx2">
@@ -6460,13 +6532,13 @@
   <p:clrMapOvr>
     <a:masterClrMapping/>
   </p:clrMapOvr>
-  <mc:AlternateContent xmlns:mc="http://schemas.openxmlformats.org/markup-compatibility/2006">
-    <mc:Choice xmlns:p14="http://schemas.microsoft.com/office/powerpoint/2010/main" Requires="p14">
+  <mc:AlternateContent xmlns:mc="http://schemas.openxmlformats.org/markup-compatibility/2006" xmlns:p14="http://schemas.microsoft.com/office/powerpoint/2010/main">
+    <mc:Choice Requires="p14">
       <p:transition spd="slow" p14:dur="1500">
         <p:random/>
       </p:transition>
     </mc:Choice>
-    <mc:Fallback>
+    <mc:Fallback xmlns="">
       <p:transition spd="slow">
         <p:random/>
       </p:transition>
@@ -6702,13 +6774,13 @@
   <p:clrMapOvr>
     <a:masterClrMapping/>
   </p:clrMapOvr>
-  <mc:AlternateContent xmlns:mc="http://schemas.openxmlformats.org/markup-compatibility/2006">
-    <mc:Choice xmlns:p14="http://schemas.microsoft.com/office/powerpoint/2010/main" Requires="p14">
+  <mc:AlternateContent xmlns:mc="http://schemas.openxmlformats.org/markup-compatibility/2006" xmlns:p14="http://schemas.microsoft.com/office/powerpoint/2010/main">
+    <mc:Choice Requires="p14">
       <p:transition spd="slow" p14:dur="1500">
         <p:random/>
       </p:transition>
     </mc:Choice>
-    <mc:Fallback>
+    <mc:Fallback xmlns="">
       <p:transition spd="slow">
         <p:random/>
       </p:transition>
@@ -7194,13 +7266,13 @@
   <p:clrMapOvr>
     <a:masterClrMapping/>
   </p:clrMapOvr>
-  <mc:AlternateContent xmlns:mc="http://schemas.openxmlformats.org/markup-compatibility/2006">
-    <mc:Choice xmlns:p14="http://schemas.microsoft.com/office/powerpoint/2010/main" Requires="p14">
+  <mc:AlternateContent xmlns:mc="http://schemas.openxmlformats.org/markup-compatibility/2006" xmlns:p14="http://schemas.microsoft.com/office/powerpoint/2010/main">
+    <mc:Choice Requires="p14">
       <p:transition spd="slow" p14:dur="1500">
         <p:random/>
       </p:transition>
     </mc:Choice>
-    <mc:Fallback>
+    <mc:Fallback xmlns="">
       <p:transition spd="slow">
         <p:random/>
       </p:transition>
@@ -7398,13 +7470,13 @@
   <p:clrMapOvr>
     <a:masterClrMapping/>
   </p:clrMapOvr>
-  <mc:AlternateContent xmlns:mc="http://schemas.openxmlformats.org/markup-compatibility/2006">
-    <mc:Choice xmlns:p14="http://schemas.microsoft.com/office/powerpoint/2010/main" Requires="p14">
+  <mc:AlternateContent xmlns:mc="http://schemas.openxmlformats.org/markup-compatibility/2006" xmlns:p14="http://schemas.microsoft.com/office/powerpoint/2010/main">
+    <mc:Choice Requires="p14">
       <p:transition spd="slow" p14:dur="1500">
         <p:random/>
       </p:transition>
     </mc:Choice>
-    <mc:Fallback>
+    <mc:Fallback xmlns="">
       <p:transition spd="slow">
         <p:random/>
       </p:transition>
@@ -7585,13 +7657,13 @@
   <p:clrMapOvr>
     <a:masterClrMapping/>
   </p:clrMapOvr>
-  <mc:AlternateContent xmlns:mc="http://schemas.openxmlformats.org/markup-compatibility/2006">
-    <mc:Choice xmlns:p14="http://schemas.microsoft.com/office/powerpoint/2010/main" Requires="p14">
+  <mc:AlternateContent xmlns:mc="http://schemas.openxmlformats.org/markup-compatibility/2006" xmlns:p14="http://schemas.microsoft.com/office/powerpoint/2010/main">
+    <mc:Choice Requires="p14">
       <p:transition spd="slow" p14:dur="1500">
         <p:random/>
       </p:transition>
     </mc:Choice>
-    <mc:Fallback>
+    <mc:Fallback xmlns="">
       <p:transition spd="slow">
         <p:random/>
       </p:transition>
@@ -8183,13 +8255,13 @@
   <p:clrMapOvr>
     <a:masterClrMapping/>
   </p:clrMapOvr>
-  <mc:AlternateContent xmlns:mc="http://schemas.openxmlformats.org/markup-compatibility/2006">
-    <mc:Choice xmlns:p14="http://schemas.microsoft.com/office/powerpoint/2010/main" Requires="p14">
+  <mc:AlternateContent xmlns:mc="http://schemas.openxmlformats.org/markup-compatibility/2006" xmlns:p14="http://schemas.microsoft.com/office/powerpoint/2010/main">
+    <mc:Choice Requires="p14">
       <p:transition spd="slow" p14:dur="1500">
         <p:random/>
       </p:transition>
     </mc:Choice>
-    <mc:Fallback>
+    <mc:Fallback xmlns="">
       <p:transition spd="slow">
         <p:random/>
       </p:transition>
@@ -8505,13 +8577,13 @@
   <p:clrMapOvr>
     <a:masterClrMapping/>
   </p:clrMapOvr>
-  <mc:AlternateContent xmlns:mc="http://schemas.openxmlformats.org/markup-compatibility/2006">
-    <mc:Choice xmlns:p14="http://schemas.microsoft.com/office/powerpoint/2010/main" Requires="p14">
+  <mc:AlternateContent xmlns:mc="http://schemas.openxmlformats.org/markup-compatibility/2006" xmlns:p14="http://schemas.microsoft.com/office/powerpoint/2010/main">
+    <mc:Choice Requires="p14">
       <p:transition spd="slow" p14:dur="1500">
         <p:random/>
       </p:transition>
     </mc:Choice>
-    <mc:Fallback>
+    <mc:Fallback xmlns="">
       <p:transition spd="slow">
         <p:random/>
       </p:transition>
@@ -8752,13 +8824,13 @@
   <p:clrMapOvr>
     <a:masterClrMapping/>
   </p:clrMapOvr>
-  <mc:AlternateContent xmlns:mc="http://schemas.openxmlformats.org/markup-compatibility/2006">
-    <mc:Choice xmlns:p14="http://schemas.microsoft.com/office/powerpoint/2010/main" Requires="p14">
+  <mc:AlternateContent xmlns:mc="http://schemas.openxmlformats.org/markup-compatibility/2006" xmlns:p14="http://schemas.microsoft.com/office/powerpoint/2010/main">
+    <mc:Choice Requires="p14">
       <p:transition spd="slow" p14:dur="1500">
         <p:random/>
       </p:transition>
     </mc:Choice>
-    <mc:Fallback>
+    <mc:Fallback xmlns="">
       <p:transition spd="slow">
         <p:random/>
       </p:transition>
@@ -8987,13 +9059,13 @@
   <p:clrMapOvr>
     <a:masterClrMapping/>
   </p:clrMapOvr>
-  <mc:AlternateContent xmlns:mc="http://schemas.openxmlformats.org/markup-compatibility/2006">
-    <mc:Choice xmlns:p14="http://schemas.microsoft.com/office/powerpoint/2010/main" Requires="p14">
+  <mc:AlternateContent xmlns:mc="http://schemas.openxmlformats.org/markup-compatibility/2006" xmlns:p14="http://schemas.microsoft.com/office/powerpoint/2010/main">
+    <mc:Choice Requires="p14">
       <p:transition spd="slow" p14:dur="1500">
         <p:random/>
       </p:transition>
     </mc:Choice>
-    <mc:Fallback>
+    <mc:Fallback xmlns="">
       <p:transition spd="slow">
         <p:random/>
       </p:transition>
